--- a/doc/advanced/slides/lesson_09.pptx
+++ b/doc/advanced/slides/lesson_09.pptx
@@ -211,7 +211,7 @@
           <a:p>
             <a:fld id="{060F4727-23A3-441E-BA41-9534DD80814F}" type="datetimeFigureOut">
               <a:rPr lang="en-US" smtClean="0"/>
-              <a:t>8/4/19</a:t>
+              <a:t>10/17/21</a:t>
             </a:fld>
             <a:endParaRPr lang="en-US"/>
           </a:p>
@@ -522,6 +522,90 @@
           <a:bodyPr/>
           <a:lstStyle/>
           <a:p>
+            <a:endParaRPr lang="en-GB" dirty="0"/>
+          </a:p>
+        </p:txBody>
+      </p:sp>
+      <p:sp>
+        <p:nvSpPr>
+          <p:cNvPr id="4" name="Slide Number Placeholder 3"/>
+          <p:cNvSpPr>
+            <a:spLocks noGrp="1"/>
+          </p:cNvSpPr>
+          <p:nvPr>
+            <p:ph type="sldNum" sz="quarter" idx="5"/>
+          </p:nvPr>
+        </p:nvSpPr>
+        <p:spPr/>
+        <p:txBody>
+          <a:bodyPr/>
+          <a:lstStyle/>
+          <a:p>
+            <a:fld id="{11ADBA3B-C92D-4CFA-B969-3AFAA1A6C2A1}" type="slidenum">
+              <a:rPr lang="en-US" smtClean="0"/>
+              <a:t>1</a:t>
+            </a:fld>
+            <a:endParaRPr lang="en-US"/>
+          </a:p>
+        </p:txBody>
+      </p:sp>
+    </p:spTree>
+    <p:extLst>
+      <p:ext uri="{BB962C8B-B14F-4D97-AF65-F5344CB8AC3E}">
+        <p14:creationId xmlns:p14="http://schemas.microsoft.com/office/powerpoint/2010/main" val="1017535007"/>
+      </p:ext>
+    </p:extLst>
+  </p:cSld>
+  <p:clrMapOvr>
+    <a:masterClrMapping/>
+  </p:clrMapOvr>
+</p:notes>
+</file>
+
+<file path=ppt/notesSlides/notesSlide2.xml><?xml version="1.0" encoding="utf-8"?>
+<p:notes xmlns:a="http://schemas.openxmlformats.org/drawingml/2006/main" xmlns:r="http://schemas.openxmlformats.org/officeDocument/2006/relationships" xmlns:p="http://schemas.openxmlformats.org/presentationml/2006/main">
+  <p:cSld>
+    <p:spTree>
+      <p:nvGrpSpPr>
+        <p:cNvPr id="1" name=""/>
+        <p:cNvGrpSpPr/>
+        <p:nvPr/>
+      </p:nvGrpSpPr>
+      <p:grpSpPr>
+        <a:xfrm>
+          <a:off x="0" y="0"/>
+          <a:ext cx="0" cy="0"/>
+          <a:chOff x="0" y="0"/>
+          <a:chExt cx="0" cy="0"/>
+        </a:xfrm>
+      </p:grpSpPr>
+      <p:sp>
+        <p:nvSpPr>
+          <p:cNvPr id="2" name="Slide Image Placeholder 1"/>
+          <p:cNvSpPr>
+            <a:spLocks noGrp="1" noRot="1" noChangeAspect="1"/>
+          </p:cNvSpPr>
+          <p:nvPr>
+            <p:ph type="sldImg"/>
+          </p:nvPr>
+        </p:nvSpPr>
+        <p:spPr/>
+      </p:sp>
+      <p:sp>
+        <p:nvSpPr>
+          <p:cNvPr id="3" name="Notes Placeholder 2"/>
+          <p:cNvSpPr>
+            <a:spLocks noGrp="1"/>
+          </p:cNvSpPr>
+          <p:nvPr>
+            <p:ph type="body" idx="1"/>
+          </p:nvPr>
+        </p:nvSpPr>
+        <p:spPr/>
+        <p:txBody>
+          <a:bodyPr/>
+          <a:lstStyle/>
+          <a:p>
             <a:endParaRPr lang="en-US" dirty="0"/>
           </a:p>
         </p:txBody>
@@ -562,7 +646,7 @@
 </p:notes>
 </file>
 
-<file path=ppt/notesSlides/notesSlide2.xml><?xml version="1.0" encoding="utf-8"?>
+<file path=ppt/notesSlides/notesSlide3.xml><?xml version="1.0" encoding="utf-8"?>
 <p:notes xmlns:a="http://schemas.openxmlformats.org/drawingml/2006/main" xmlns:r="http://schemas.openxmlformats.org/officeDocument/2006/relationships" xmlns:p="http://schemas.openxmlformats.org/presentationml/2006/main">
   <p:cSld>
     <p:spTree>
@@ -835,7 +919,7 @@
           <a:p>
             <a:fld id="{6D7D1AC5-EDA8-4631-9228-9906422CEF8D}" type="datetimeFigureOut">
               <a:rPr lang="en-US" smtClean="0"/>
-              <a:t>8/4/19</a:t>
+              <a:t>10/17/21</a:t>
             </a:fld>
             <a:endParaRPr lang="en-US"/>
           </a:p>
@@ -1003,7 +1087,7 @@
           <a:p>
             <a:fld id="{6D7D1AC5-EDA8-4631-9228-9906422CEF8D}" type="datetimeFigureOut">
               <a:rPr lang="en-US" smtClean="0"/>
-              <a:t>8/4/19</a:t>
+              <a:t>10/17/21</a:t>
             </a:fld>
             <a:endParaRPr lang="en-US"/>
           </a:p>
@@ -1181,7 +1265,7 @@
           <a:p>
             <a:fld id="{6D7D1AC5-EDA8-4631-9228-9906422CEF8D}" type="datetimeFigureOut">
               <a:rPr lang="en-US" smtClean="0"/>
-              <a:t>8/4/19</a:t>
+              <a:t>10/17/21</a:t>
             </a:fld>
             <a:endParaRPr lang="en-US"/>
           </a:p>
@@ -1420,7 +1504,7 @@
                 <a:tabLst/>
                 <a:defRPr/>
               </a:pPr>
-              <a:t>8/4/19</a:t>
+              <a:t>10/17/21</a:t>
             </a:fld>
             <a:endParaRPr kumimoji="0" lang="en-US" sz="1200" b="0" i="0" u="none" strike="noStrike" kern="1200" cap="none" spc="0" normalizeH="0" baseline="0" noProof="0">
               <a:ln>
@@ -1759,7 +1843,7 @@
                 <a:tabLst/>
                 <a:defRPr/>
               </a:pPr>
-              <a:t>8/4/19</a:t>
+              <a:t>10/17/21</a:t>
             </a:fld>
             <a:endParaRPr kumimoji="0" lang="en-US" sz="1200" b="0" i="0" u="none" strike="noStrike" kern="1200" cap="none" spc="0" normalizeH="0" baseline="0" noProof="0">
               <a:ln>
@@ -2164,7 +2248,7 @@
                 <a:tabLst/>
                 <a:defRPr/>
               </a:pPr>
-              <a:t>8/4/19</a:t>
+              <a:t>10/17/21</a:t>
             </a:fld>
             <a:endParaRPr kumimoji="0" lang="en-US" sz="1200" b="0" i="0" u="none" strike="noStrike" kern="1200" cap="none" spc="0" normalizeH="0" baseline="0" noProof="0">
               <a:ln>
@@ -2553,7 +2637,7 @@
                 <a:tabLst/>
                 <a:defRPr/>
               </a:pPr>
-              <a:t>8/4/19</a:t>
+              <a:t>10/17/21</a:t>
             </a:fld>
             <a:endParaRPr kumimoji="0" lang="en-US" sz="1200" b="0" i="0" u="none" strike="noStrike" kern="1200" cap="none" spc="0" normalizeH="0" baseline="0" noProof="0">
               <a:ln>
@@ -3077,7 +3161,7 @@
                 <a:tabLst/>
                 <a:defRPr/>
               </a:pPr>
-              <a:t>8/4/19</a:t>
+              <a:t>10/17/21</a:t>
             </a:fld>
             <a:endParaRPr kumimoji="0" lang="en-US" sz="1200" b="0" i="0" u="none" strike="noStrike" kern="1200" cap="none" spc="0" normalizeH="0" baseline="0" noProof="0">
               <a:ln>
@@ -3354,7 +3438,7 @@
                 <a:tabLst/>
                 <a:defRPr/>
               </a:pPr>
-              <a:t>8/4/19</a:t>
+              <a:t>10/17/21</a:t>
             </a:fld>
             <a:endParaRPr kumimoji="0" lang="en-US" sz="1200" b="0" i="0" u="none" strike="noStrike" kern="1200" cap="none" spc="0" normalizeH="0" baseline="0" noProof="0">
               <a:ln>
@@ -3609,7 +3693,7 @@
                 <a:tabLst/>
                 <a:defRPr/>
               </a:pPr>
-              <a:t>8/4/19</a:t>
+              <a:t>10/17/21</a:t>
             </a:fld>
             <a:endParaRPr kumimoji="0" lang="en-US" sz="1200" b="0" i="0" u="none" strike="noStrike" kern="1200" cap="none" spc="0" normalizeH="0" baseline="0" noProof="0">
               <a:ln>
@@ -4044,7 +4128,7 @@
                 <a:tabLst/>
                 <a:defRPr/>
               </a:pPr>
-              <a:t>8/4/19</a:t>
+              <a:t>10/17/21</a:t>
             </a:fld>
             <a:endParaRPr kumimoji="0" lang="en-US" sz="1200" b="0" i="0" u="none" strike="noStrike" kern="1200" cap="none" spc="0" normalizeH="0" baseline="0" noProof="0">
               <a:ln>
@@ -4357,7 +4441,7 @@
           <a:p>
             <a:fld id="{6D7D1AC5-EDA8-4631-9228-9906422CEF8D}" type="datetimeFigureOut">
               <a:rPr lang="en-US" smtClean="0"/>
-              <a:t>8/4/19</a:t>
+              <a:t>10/17/21</a:t>
             </a:fld>
             <a:endParaRPr lang="en-US"/>
           </a:p>
@@ -4658,7 +4742,7 @@
                 <a:tabLst/>
                 <a:defRPr/>
               </a:pPr>
-              <a:t>8/4/19</a:t>
+              <a:t>10/17/21</a:t>
             </a:fld>
             <a:endParaRPr kumimoji="0" lang="en-US" sz="1200" b="0" i="0" u="none" strike="noStrike" kern="1200" cap="none" spc="0" normalizeH="0" baseline="0" noProof="0">
               <a:ln>
@@ -4986,7 +5070,7 @@
                 <a:tabLst/>
                 <a:defRPr/>
               </a:pPr>
-              <a:t>8/4/19</a:t>
+              <a:t>10/17/21</a:t>
             </a:fld>
             <a:endParaRPr kumimoji="0" lang="en-US" sz="1200" b="0" i="0" u="none" strike="noStrike" kern="1200" cap="none" spc="0" normalizeH="0" baseline="0" noProof="0">
               <a:ln>
@@ -5324,7 +5408,7 @@
                 <a:tabLst/>
                 <a:defRPr/>
               </a:pPr>
-              <a:t>8/4/19</a:t>
+              <a:t>10/17/21</a:t>
             </a:fld>
             <a:endParaRPr kumimoji="0" lang="en-US" sz="1200" b="0" i="0" u="none" strike="noStrike" kern="1200" cap="none" spc="0" normalizeH="0" baseline="0" noProof="0">
               <a:ln>
@@ -5674,7 +5758,7 @@
                 <a:tabLst/>
                 <a:defRPr/>
               </a:pPr>
-              <a:t>8/4/19</a:t>
+              <a:t>10/17/21</a:t>
             </a:fld>
             <a:endParaRPr kumimoji="0" lang="en-US" sz="1200" b="0" i="0" u="none" strike="noStrike" kern="1200" cap="none" spc="0" normalizeH="0" baseline="0" noProof="0">
               <a:ln>
@@ -6013,7 +6097,7 @@
                 <a:tabLst/>
                 <a:defRPr/>
               </a:pPr>
-              <a:t>8/4/19</a:t>
+              <a:t>10/17/21</a:t>
             </a:fld>
             <a:endParaRPr kumimoji="0" lang="en-US" sz="1200" b="0" i="0" u="none" strike="noStrike" kern="1200" cap="none" spc="0" normalizeH="0" baseline="0" noProof="0">
               <a:ln>
@@ -6418,7 +6502,7 @@
                 <a:tabLst/>
                 <a:defRPr/>
               </a:pPr>
-              <a:t>8/4/19</a:t>
+              <a:t>10/17/21</a:t>
             </a:fld>
             <a:endParaRPr kumimoji="0" lang="en-US" sz="1200" b="0" i="0" u="none" strike="noStrike" kern="1200" cap="none" spc="0" normalizeH="0" baseline="0" noProof="0">
               <a:ln>
@@ -6807,7 +6891,7 @@
                 <a:tabLst/>
                 <a:defRPr/>
               </a:pPr>
-              <a:t>8/4/19</a:t>
+              <a:t>10/17/21</a:t>
             </a:fld>
             <a:endParaRPr kumimoji="0" lang="en-US" sz="1200" b="0" i="0" u="none" strike="noStrike" kern="1200" cap="none" spc="0" normalizeH="0" baseline="0" noProof="0">
               <a:ln>
@@ -7331,7 +7415,7 @@
                 <a:tabLst/>
                 <a:defRPr/>
               </a:pPr>
-              <a:t>8/4/19</a:t>
+              <a:t>10/17/21</a:t>
             </a:fld>
             <a:endParaRPr kumimoji="0" lang="en-US" sz="1200" b="0" i="0" u="none" strike="noStrike" kern="1200" cap="none" spc="0" normalizeH="0" baseline="0" noProof="0">
               <a:ln>
@@ -7608,7 +7692,7 @@
                 <a:tabLst/>
                 <a:defRPr/>
               </a:pPr>
-              <a:t>8/4/19</a:t>
+              <a:t>10/17/21</a:t>
             </a:fld>
             <a:endParaRPr kumimoji="0" lang="en-US" sz="1200" b="0" i="0" u="none" strike="noStrike" kern="1200" cap="none" spc="0" normalizeH="0" baseline="0" noProof="0">
               <a:ln>
@@ -7863,7 +7947,7 @@
                 <a:tabLst/>
                 <a:defRPr/>
               </a:pPr>
-              <a:t>8/4/19</a:t>
+              <a:t>10/17/21</a:t>
             </a:fld>
             <a:endParaRPr kumimoji="0" lang="en-US" sz="1200" b="0" i="0" u="none" strike="noStrike" kern="1200" cap="none" spc="0" normalizeH="0" baseline="0" noProof="0">
               <a:ln>
@@ -8219,7 +8303,7 @@
           <a:p>
             <a:fld id="{6D7D1AC5-EDA8-4631-9228-9906422CEF8D}" type="datetimeFigureOut">
               <a:rPr lang="en-US" smtClean="0"/>
-              <a:t>8/4/19</a:t>
+              <a:t>10/17/21</a:t>
             </a:fld>
             <a:endParaRPr lang="en-US"/>
           </a:p>
@@ -8543,7 +8627,7 @@
                 <a:tabLst/>
                 <a:defRPr/>
               </a:pPr>
-              <a:t>8/4/19</a:t>
+              <a:t>10/17/21</a:t>
             </a:fld>
             <a:endParaRPr kumimoji="0" lang="en-US" sz="1200" b="0" i="0" u="none" strike="noStrike" kern="1200" cap="none" spc="0" normalizeH="0" baseline="0" noProof="0">
               <a:ln>
@@ -8955,7 +9039,7 @@
                 <a:tabLst/>
                 <a:defRPr/>
               </a:pPr>
-              <a:t>8/4/19</a:t>
+              <a:t>10/17/21</a:t>
             </a:fld>
             <a:endParaRPr kumimoji="0" lang="en-US" sz="1200" b="0" i="0" u="none" strike="noStrike" kern="1200" cap="none" spc="0" normalizeH="0" baseline="0" noProof="0">
               <a:ln>
@@ -9283,7 +9367,7 @@
                 <a:tabLst/>
                 <a:defRPr/>
               </a:pPr>
-              <a:t>8/4/19</a:t>
+              <a:t>10/17/21</a:t>
             </a:fld>
             <a:endParaRPr kumimoji="0" lang="en-US" sz="1200" b="0" i="0" u="none" strike="noStrike" kern="1200" cap="none" spc="0" normalizeH="0" baseline="0" noProof="0">
               <a:ln>
@@ -9621,7 +9705,7 @@
                 <a:tabLst/>
                 <a:defRPr/>
               </a:pPr>
-              <a:t>8/4/19</a:t>
+              <a:t>10/17/21</a:t>
             </a:fld>
             <a:endParaRPr kumimoji="0" lang="en-US" sz="1200" b="0" i="0" u="none" strike="noStrike" kern="1200" cap="none" spc="0" normalizeH="0" baseline="0" noProof="0">
               <a:ln>
@@ -9961,7 +10045,7 @@
           <a:p>
             <a:fld id="{6D7D1AC5-EDA8-4631-9228-9906422CEF8D}" type="datetimeFigureOut">
               <a:rPr lang="en-US" smtClean="0"/>
-              <a:t>8/4/19</a:t>
+              <a:t>10/17/21</a:t>
             </a:fld>
             <a:endParaRPr lang="en-US"/>
           </a:p>
@@ -10325,7 +10409,7 @@
           <a:p>
             <a:fld id="{6D7D1AC5-EDA8-4631-9228-9906422CEF8D}" type="datetimeFigureOut">
               <a:rPr lang="en-US" smtClean="0"/>
-              <a:t>8/4/19</a:t>
+              <a:t>10/17/21</a:t>
             </a:fld>
             <a:endParaRPr lang="en-US"/>
           </a:p>
@@ -10442,7 +10526,7 @@
           <a:p>
             <a:fld id="{6D7D1AC5-EDA8-4631-9228-9906422CEF8D}" type="datetimeFigureOut">
               <a:rPr lang="en-US" smtClean="0"/>
-              <a:t>8/4/19</a:t>
+              <a:t>10/17/21</a:t>
             </a:fld>
             <a:endParaRPr lang="en-US"/>
           </a:p>
@@ -10537,7 +10621,7 @@
           <a:p>
             <a:fld id="{6D7D1AC5-EDA8-4631-9228-9906422CEF8D}" type="datetimeFigureOut">
               <a:rPr lang="en-US" smtClean="0"/>
-              <a:t>8/4/19</a:t>
+              <a:t>10/17/21</a:t>
             </a:fld>
             <a:endParaRPr lang="en-US"/>
           </a:p>
@@ -10812,7 +10896,7 @@
           <a:p>
             <a:fld id="{6D7D1AC5-EDA8-4631-9228-9906422CEF8D}" type="datetimeFigureOut">
               <a:rPr lang="en-US" smtClean="0"/>
-              <a:t>8/4/19</a:t>
+              <a:t>10/17/21</a:t>
             </a:fld>
             <a:endParaRPr lang="en-US"/>
           </a:p>
@@ -11064,7 +11148,7 @@
           <a:p>
             <a:fld id="{6D7D1AC5-EDA8-4631-9228-9906422CEF8D}" type="datetimeFigureOut">
               <a:rPr lang="en-US" smtClean="0"/>
-              <a:t>8/4/19</a:t>
+              <a:t>10/17/21</a:t>
             </a:fld>
             <a:endParaRPr lang="en-US"/>
           </a:p>
@@ -11275,7 +11359,7 @@
           <a:p>
             <a:fld id="{6D7D1AC5-EDA8-4631-9228-9906422CEF8D}" type="datetimeFigureOut">
               <a:rPr lang="en-US" smtClean="0"/>
-              <a:t>8/4/19</a:t>
+              <a:t>10/17/21</a:t>
             </a:fld>
             <a:endParaRPr lang="en-US"/>
           </a:p>
@@ -11862,7 +11946,7 @@
                 <a:tabLst/>
                 <a:defRPr/>
               </a:pPr>
-              <a:t>8/4/19</a:t>
+              <a:t>10/17/21</a:t>
             </a:fld>
             <a:endParaRPr kumimoji="0" lang="en-US" sz="1200" b="0" i="0" u="none" strike="noStrike" kern="1200" cap="none" spc="0" normalizeH="0" baseline="0" noProof="0">
               <a:ln>
@@ -12560,7 +12644,7 @@
                 <a:tabLst/>
                 <a:defRPr/>
               </a:pPr>
-              <a:t>8/4/19</a:t>
+              <a:t>10/17/21</a:t>
             </a:fld>
             <a:endParaRPr kumimoji="0" lang="en-US" sz="1200" b="0" i="0" u="none" strike="noStrike" kern="1200" cap="none" spc="0" normalizeH="0" baseline="0" noProof="0">
               <a:ln>
@@ -13101,15 +13185,7 @@
             <a:pPr algn="l"/>
             <a:r>
               <a:rPr lang="en-US" sz="7200" dirty="0"/>
-              <a:t>Enterprise </a:t>
-            </a:r>
-            <a:r>
-              <a:rPr lang="en-US" sz="7200" dirty="0" err="1"/>
-              <a:t>Programmering</a:t>
-            </a:r>
-            <a:r>
-              <a:rPr lang="en-US" sz="7200" dirty="0"/>
-              <a:t> 2</a:t>
+              <a:t>Enterprise Programming 2</a:t>
             </a:r>
             <a:br>
               <a:rPr lang="en-US" sz="7200" dirty="0"/>
@@ -13160,16 +13236,12 @@
           <a:p>
             <a:pPr algn="r"/>
             <a:r>
-              <a:rPr lang="en-US" sz="2800"/>
-              <a:t>Prof. </a:t>
-            </a:r>
-            <a:r>
               <a:rPr lang="en-US" sz="2800" dirty="0"/>
-              <a:t>Andrea </a:t>
+              <a:t>Bogdan </a:t>
             </a:r>
             <a:r>
               <a:rPr lang="en-US" sz="2800" dirty="0" err="1"/>
-              <a:t>Arcuri</a:t>
+              <a:t>Marculescu</a:t>
             </a:r>
             <a:endParaRPr lang="en-US" sz="2800" dirty="0"/>
           </a:p>
